--- a/2013180055_허지훈.pptx
+++ b/2013180055_허지훈.pptx
@@ -302,7 +302,7 @@
           <a:p>
             <a:fld id="{62745419-3D65-40A7-934A-F155D3DE5504}" type="datetimeFigureOut">
               <a:rPr lang="ko-KR" altLang="en-US" smtClean="0"/>
-              <a:t>2016-09-20</a:t>
+              <a:t>2016-10-13</a:t>
             </a:fld>
             <a:endParaRPr lang="ko-KR" altLang="en-US"/>
           </a:p>
@@ -467,7 +467,7 @@
           <a:p>
             <a:fld id="{62745419-3D65-40A7-934A-F155D3DE5504}" type="datetimeFigureOut">
               <a:rPr lang="ko-KR" altLang="en-US" smtClean="0"/>
-              <a:t>2016-09-20</a:t>
+              <a:t>2016-10-13</a:t>
             </a:fld>
             <a:endParaRPr lang="ko-KR" altLang="en-US"/>
           </a:p>
@@ -642,7 +642,7 @@
           <a:p>
             <a:fld id="{62745419-3D65-40A7-934A-F155D3DE5504}" type="datetimeFigureOut">
               <a:rPr lang="ko-KR" altLang="en-US" smtClean="0"/>
-              <a:t>2016-09-20</a:t>
+              <a:t>2016-10-13</a:t>
             </a:fld>
             <a:endParaRPr lang="ko-KR" altLang="en-US"/>
           </a:p>
@@ -807,7 +807,7 @@
           <a:p>
             <a:fld id="{62745419-3D65-40A7-934A-F155D3DE5504}" type="datetimeFigureOut">
               <a:rPr lang="ko-KR" altLang="en-US" smtClean="0"/>
-              <a:t>2016-09-20</a:t>
+              <a:t>2016-10-13</a:t>
             </a:fld>
             <a:endParaRPr lang="ko-KR" altLang="en-US"/>
           </a:p>
@@ -1046,7 +1046,7 @@
           <a:p>
             <a:fld id="{62745419-3D65-40A7-934A-F155D3DE5504}" type="datetimeFigureOut">
               <a:rPr lang="ko-KR" altLang="en-US" smtClean="0"/>
-              <a:t>2016-09-20</a:t>
+              <a:t>2016-10-13</a:t>
             </a:fld>
             <a:endParaRPr lang="ko-KR" altLang="en-US"/>
           </a:p>
@@ -1136,7 +1136,7 @@
           <a:p>
             <a:fld id="{62745419-3D65-40A7-934A-F155D3DE5504}" type="datetimeFigureOut">
               <a:rPr lang="ko-KR" altLang="en-US" smtClean="0"/>
-              <a:t>2016-09-20</a:t>
+              <a:t>2016-10-13</a:t>
             </a:fld>
             <a:endParaRPr lang="ko-KR" altLang="en-US"/>
           </a:p>
@@ -1510,7 +1510,7 @@
           <a:p>
             <a:fld id="{62745419-3D65-40A7-934A-F155D3DE5504}" type="datetimeFigureOut">
               <a:rPr lang="ko-KR" altLang="en-US" smtClean="0"/>
-              <a:t>2016-09-20</a:t>
+              <a:t>2016-10-13</a:t>
             </a:fld>
             <a:endParaRPr lang="ko-KR" altLang="en-US"/>
           </a:p>
@@ -1765,7 +1765,7 @@
           <a:p>
             <a:fld id="{62745419-3D65-40A7-934A-F155D3DE5504}" type="datetimeFigureOut">
               <a:rPr lang="ko-KR" altLang="en-US" smtClean="0"/>
-              <a:t>2016-09-20</a:t>
+              <a:t>2016-10-13</a:t>
             </a:fld>
             <a:endParaRPr lang="ko-KR" altLang="en-US"/>
           </a:p>
@@ -1855,7 +1855,7 @@
           <a:p>
             <a:fld id="{62745419-3D65-40A7-934A-F155D3DE5504}" type="datetimeFigureOut">
               <a:rPr lang="ko-KR" altLang="en-US" smtClean="0"/>
-              <a:t>2016-09-20</a:t>
+              <a:t>2016-10-13</a:t>
             </a:fld>
             <a:endParaRPr lang="ko-KR" altLang="en-US"/>
           </a:p>
@@ -2129,7 +2129,7 @@
           <a:p>
             <a:fld id="{62745419-3D65-40A7-934A-F155D3DE5504}" type="datetimeFigureOut">
               <a:rPr lang="ko-KR" altLang="en-US" smtClean="0"/>
-              <a:t>2016-09-20</a:t>
+              <a:t>2016-10-13</a:t>
             </a:fld>
             <a:endParaRPr lang="ko-KR" altLang="en-US"/>
           </a:p>
@@ -2401,7 +2401,7 @@
           <a:p>
             <a:fld id="{62745419-3D65-40A7-934A-F155D3DE5504}" type="datetimeFigureOut">
               <a:rPr lang="ko-KR" altLang="en-US" smtClean="0"/>
-              <a:t>2016-09-20</a:t>
+              <a:t>2016-10-13</a:t>
             </a:fld>
             <a:endParaRPr lang="ko-KR" altLang="en-US"/>
           </a:p>
@@ -2701,7 +2701,7 @@
           <a:p>
             <a:fld id="{62745419-3D65-40A7-934A-F155D3DE5504}" type="datetimeFigureOut">
               <a:rPr lang="ko-KR" altLang="en-US" smtClean="0"/>
-              <a:t>2016-09-20</a:t>
+              <a:t>2016-10-13</a:t>
             </a:fld>
             <a:endParaRPr lang="ko-KR" altLang="en-US"/>
           </a:p>
@@ -5417,14 +5417,14 @@
             <p:ph idx="1"/>
             <p:extLst>
               <p:ext uri="{D42A27DB-BD31-4B8C-83A1-F6EECF244321}">
-                <p14:modId xmlns:p14="http://schemas.microsoft.com/office/powerpoint/2010/main" val="780974925"/>
+                <p14:modId xmlns:p14="http://schemas.microsoft.com/office/powerpoint/2010/main" val="3104269496"/>
               </p:ext>
             </p:extLst>
           </p:nvPr>
         </p:nvGraphicFramePr>
         <p:xfrm>
           <a:off x="899592" y="1412776"/>
-          <a:ext cx="7315200" cy="5222240"/>
+          <a:ext cx="7315200" cy="5039360"/>
         </p:xfrm>
         <a:graphic>
           <a:graphicData uri="http://schemas.openxmlformats.org/drawingml/2006/table">
@@ -5850,12 +5850,16 @@
                       </a:r>
                       <a:r>
                         <a:rPr lang="ko-KR" altLang="en-US" sz="1200" baseline="0" dirty="0" smtClean="0"/>
-                        <a:t>종류마다 다른 오브젝트 기능들 구현</a:t>
-                      </a:r>
-                      <a:endParaRPr lang="en-US" altLang="ko-KR" sz="1200" baseline="0" dirty="0" smtClean="0"/>
-                    </a:p>
-                    <a:p>
-                      <a:pPr algn="l" latinLnBrk="1"/>
+                        <a:t>종류마다 다른 오브젝트 </a:t>
+                      </a:r>
+                      <a:r>
+                        <a:rPr lang="ko-KR" altLang="en-US" sz="1200" baseline="0" smtClean="0"/>
+                        <a:t>기능들 </a:t>
+                      </a:r>
+                      <a:r>
+                        <a:rPr lang="ko-KR" altLang="en-US" sz="1200" baseline="0" smtClean="0"/>
+                        <a:t>구현</a:t>
+                      </a:r>
                       <a:endParaRPr lang="en-US" altLang="ko-KR" sz="1200" dirty="0" smtClean="0"/>
                     </a:p>
                   </a:txBody>
